--- a/presentations/introduce/Introduce_caGrid_AHM_2008.pptx
+++ b/presentations/introduce/Introduce_caGrid_AHM_2008.pptx
@@ -288,7 +288,8 @@
           <a:p>
             <a:fld id="{339DB51B-28D5-CA40-B042-16E22DA4B1D8}" type="datetimeFigureOut">
               <a:rPr lang="en-US" smtClean="0"/>
-              <a:t>6/7/08</a:t>
+              <a:pPr/>
+              <a:t>6/9/08</a:t>
             </a:fld>
             <a:endParaRPr lang="en-US"/>
           </a:p>
@@ -330,6 +331,7 @@
           <a:p>
             <a:fld id="{07EC8D1F-C3A9-B043-8E20-548CA6052D80}" type="slidenum">
               <a:rPr lang="en-US" smtClean="0"/>
+              <a:pPr/>
               <a:t>‹#›</a:t>
             </a:fld>
             <a:endParaRPr lang="en-US"/>
@@ -453,7 +455,8 @@
           <a:p>
             <a:fld id="{339DB51B-28D5-CA40-B042-16E22DA4B1D8}" type="datetimeFigureOut">
               <a:rPr lang="en-US" smtClean="0"/>
-              <a:t>6/7/08</a:t>
+              <a:pPr/>
+              <a:t>6/9/08</a:t>
             </a:fld>
             <a:endParaRPr lang="en-US"/>
           </a:p>
@@ -495,6 +498,7 @@
           <a:p>
             <a:fld id="{07EC8D1F-C3A9-B043-8E20-548CA6052D80}" type="slidenum">
               <a:rPr lang="en-US" smtClean="0"/>
+              <a:pPr/>
               <a:t>‹#›</a:t>
             </a:fld>
             <a:endParaRPr lang="en-US"/>
@@ -628,7 +632,8 @@
           <a:p>
             <a:fld id="{339DB51B-28D5-CA40-B042-16E22DA4B1D8}" type="datetimeFigureOut">
               <a:rPr lang="en-US" smtClean="0"/>
-              <a:t>6/7/08</a:t>
+              <a:pPr/>
+              <a:t>6/9/08</a:t>
             </a:fld>
             <a:endParaRPr lang="en-US"/>
           </a:p>
@@ -670,6 +675,7 @@
           <a:p>
             <a:fld id="{07EC8D1F-C3A9-B043-8E20-548CA6052D80}" type="slidenum">
               <a:rPr lang="en-US" smtClean="0"/>
+              <a:pPr/>
               <a:t>‹#›</a:t>
             </a:fld>
             <a:endParaRPr lang="en-US"/>
@@ -793,7 +799,8 @@
           <a:p>
             <a:fld id="{339DB51B-28D5-CA40-B042-16E22DA4B1D8}" type="datetimeFigureOut">
               <a:rPr lang="en-US" smtClean="0"/>
-              <a:t>6/7/08</a:t>
+              <a:pPr/>
+              <a:t>6/9/08</a:t>
             </a:fld>
             <a:endParaRPr lang="en-US"/>
           </a:p>
@@ -835,6 +842,7 @@
           <a:p>
             <a:fld id="{07EC8D1F-C3A9-B043-8E20-548CA6052D80}" type="slidenum">
               <a:rPr lang="en-US" smtClean="0"/>
+              <a:pPr/>
               <a:t>‹#›</a:t>
             </a:fld>
             <a:endParaRPr lang="en-US"/>
@@ -1034,7 +1042,8 @@
           <a:p>
             <a:fld id="{339DB51B-28D5-CA40-B042-16E22DA4B1D8}" type="datetimeFigureOut">
               <a:rPr lang="en-US" smtClean="0"/>
-              <a:t>6/7/08</a:t>
+              <a:pPr/>
+              <a:t>6/9/08</a:t>
             </a:fld>
             <a:endParaRPr lang="en-US"/>
           </a:p>
@@ -1076,6 +1085,7 @@
           <a:p>
             <a:fld id="{07EC8D1F-C3A9-B043-8E20-548CA6052D80}" type="slidenum">
               <a:rPr lang="en-US" smtClean="0"/>
+              <a:pPr/>
               <a:t>‹#›</a:t>
             </a:fld>
             <a:endParaRPr lang="en-US"/>
@@ -1317,7 +1327,8 @@
           <a:p>
             <a:fld id="{339DB51B-28D5-CA40-B042-16E22DA4B1D8}" type="datetimeFigureOut">
               <a:rPr lang="en-US" smtClean="0"/>
-              <a:t>6/7/08</a:t>
+              <a:pPr/>
+              <a:t>6/9/08</a:t>
             </a:fld>
             <a:endParaRPr lang="en-US"/>
           </a:p>
@@ -1359,6 +1370,7 @@
           <a:p>
             <a:fld id="{07EC8D1F-C3A9-B043-8E20-548CA6052D80}" type="slidenum">
               <a:rPr lang="en-US" smtClean="0"/>
+              <a:pPr/>
               <a:t>‹#›</a:t>
             </a:fld>
             <a:endParaRPr lang="en-US"/>
@@ -1739,7 +1751,8 @@
           <a:p>
             <a:fld id="{339DB51B-28D5-CA40-B042-16E22DA4B1D8}" type="datetimeFigureOut">
               <a:rPr lang="en-US" smtClean="0"/>
-              <a:t>6/7/08</a:t>
+              <a:pPr/>
+              <a:t>6/9/08</a:t>
             </a:fld>
             <a:endParaRPr lang="en-US"/>
           </a:p>
@@ -1781,6 +1794,7 @@
           <a:p>
             <a:fld id="{07EC8D1F-C3A9-B043-8E20-548CA6052D80}" type="slidenum">
               <a:rPr lang="en-US" smtClean="0"/>
+              <a:pPr/>
               <a:t>‹#›</a:t>
             </a:fld>
             <a:endParaRPr lang="en-US"/>
@@ -1852,7 +1866,8 @@
           <a:p>
             <a:fld id="{339DB51B-28D5-CA40-B042-16E22DA4B1D8}" type="datetimeFigureOut">
               <a:rPr lang="en-US" smtClean="0"/>
-              <a:t>6/7/08</a:t>
+              <a:pPr/>
+              <a:t>6/9/08</a:t>
             </a:fld>
             <a:endParaRPr lang="en-US"/>
           </a:p>
@@ -1894,6 +1909,7 @@
           <a:p>
             <a:fld id="{07EC8D1F-C3A9-B043-8E20-548CA6052D80}" type="slidenum">
               <a:rPr lang="en-US" smtClean="0"/>
+              <a:pPr/>
               <a:t>‹#›</a:t>
             </a:fld>
             <a:endParaRPr lang="en-US"/>
@@ -1942,7 +1958,8 @@
           <a:p>
             <a:fld id="{339DB51B-28D5-CA40-B042-16E22DA4B1D8}" type="datetimeFigureOut">
               <a:rPr lang="en-US" smtClean="0"/>
-              <a:t>6/7/08</a:t>
+              <a:pPr/>
+              <a:t>6/9/08</a:t>
             </a:fld>
             <a:endParaRPr lang="en-US"/>
           </a:p>
@@ -1984,6 +2001,7 @@
           <a:p>
             <a:fld id="{07EC8D1F-C3A9-B043-8E20-548CA6052D80}" type="slidenum">
               <a:rPr lang="en-US" smtClean="0"/>
+              <a:pPr/>
               <a:t>‹#›</a:t>
             </a:fld>
             <a:endParaRPr lang="en-US"/>
@@ -2214,7 +2232,8 @@
           <a:p>
             <a:fld id="{339DB51B-28D5-CA40-B042-16E22DA4B1D8}" type="datetimeFigureOut">
               <a:rPr lang="en-US" smtClean="0"/>
-              <a:t>6/7/08</a:t>
+              <a:pPr/>
+              <a:t>6/9/08</a:t>
             </a:fld>
             <a:endParaRPr lang="en-US"/>
           </a:p>
@@ -2256,6 +2275,7 @@
           <a:p>
             <a:fld id="{07EC8D1F-C3A9-B043-8E20-548CA6052D80}" type="slidenum">
               <a:rPr lang="en-US" smtClean="0"/>
+              <a:pPr/>
               <a:t>‹#›</a:t>
             </a:fld>
             <a:endParaRPr lang="en-US"/>
@@ -2462,7 +2482,8 @@
           <a:p>
             <a:fld id="{339DB51B-28D5-CA40-B042-16E22DA4B1D8}" type="datetimeFigureOut">
               <a:rPr lang="en-US" smtClean="0"/>
-              <a:t>6/7/08</a:t>
+              <a:pPr/>
+              <a:t>6/9/08</a:t>
             </a:fld>
             <a:endParaRPr lang="en-US"/>
           </a:p>
@@ -2504,6 +2525,7 @@
           <a:p>
             <a:fld id="{07EC8D1F-C3A9-B043-8E20-548CA6052D80}" type="slidenum">
               <a:rPr lang="en-US" smtClean="0"/>
+              <a:pPr/>
               <a:t>‹#›</a:t>
             </a:fld>
             <a:endParaRPr lang="en-US"/>
@@ -2670,7 +2692,8 @@
           <a:p>
             <a:fld id="{339DB51B-28D5-CA40-B042-16E22DA4B1D8}" type="datetimeFigureOut">
               <a:rPr lang="en-US" smtClean="0"/>
-              <a:t>6/7/08</a:t>
+              <a:pPr/>
+              <a:t>6/9/08</a:t>
             </a:fld>
             <a:endParaRPr lang="en-US"/>
           </a:p>
@@ -2748,6 +2771,7 @@
           <a:p>
             <a:fld id="{07EC8D1F-C3A9-B043-8E20-548CA6052D80}" type="slidenum">
               <a:rPr lang="en-US" smtClean="0"/>
+              <a:pPr/>
               <a:t>‹#›</a:t>
             </a:fld>
             <a:endParaRPr lang="en-US"/>
@@ -4019,6 +4043,9 @@
           <a:solidFill>
             <a:schemeClr val="bg1"/>
           </a:solidFill>
+          <a:ln>
+            <a:noFill/>
+          </a:ln>
         </p:spPr>
         <p:style>
           <a:lnRef idx="1">

--- a/presentations/introduce/Introduce_caGrid_AHM_2008.pptx
+++ b/presentations/introduce/Introduce_caGrid_AHM_2008.pptx
@@ -3210,8 +3210,8 @@
         </p:nvSpPr>
         <p:spPr>
           <a:xfrm>
-            <a:off x="20308157" y="927824"/>
-            <a:ext cx="22059043" cy="3339376"/>
+            <a:off x="22440511" y="914400"/>
+            <a:ext cx="19317089" cy="3339376"/>
           </a:xfrm>
           <a:prstGeom prst="rect">
             <a:avLst/>
@@ -3226,55 +3226,81 @@
           <a:p>
             <a:pPr algn="ctr"/>
             <a:r>
-              <a:rPr lang="en-US" sz="11500" dirty="0" smtClean="0">
+              <a:rPr lang="en-US" sz="11500" b="1" dirty="0" smtClean="0">
                 <a:solidFill>
-                  <a:schemeClr val="bg1"/>
+                  <a:srgbClr val="FFFFFF"/>
                 </a:solidFill>
                 <a:effectLst>
                   <a:reflection stA="77000" endPos="75000" dir="5400000" sy="-100000" algn="bl" rotWithShape="0"/>
                 </a:effectLst>
-                <a:latin typeface="Arial Black"/>
-                <a:cs typeface="Arial Black"/>
+                <a:latin typeface="Helvetica Neue"/>
+                <a:cs typeface="Helvetica Neue"/>
               </a:rPr>
               <a:t>Introduce:</a:t>
             </a:r>
           </a:p>
           <a:p>
             <a:r>
-              <a:rPr lang="en-US" sz="9600" dirty="0" err="1" smtClean="0">
+              <a:rPr lang="en-US" sz="9600" b="1" dirty="0" err="1" smtClean="0">
                 <a:solidFill>
-                  <a:schemeClr val="bg1"/>
+                  <a:srgbClr val="FFFFFF"/>
                 </a:solidFill>
                 <a:effectLst>
                   <a:reflection stA="77000" endPos="75000" dir="5400000" sy="-100000" algn="bl" rotWithShape="0"/>
                 </a:effectLst>
-                <a:latin typeface="Arial Black"/>
-                <a:cs typeface="Arial Black"/>
+                <a:latin typeface="Helvetica Neue"/>
+                <a:cs typeface="Helvetica Neue"/>
               </a:rPr>
               <a:t>caGrid</a:t>
             </a:r>
             <a:r>
-              <a:rPr lang="en-US" sz="9600" dirty="0" smtClean="0">
+              <a:rPr lang="en-US" sz="9600" b="1" dirty="0" smtClean="0">
                 <a:solidFill>
-                  <a:schemeClr val="bg1"/>
+                  <a:srgbClr val="FFFFFF"/>
                 </a:solidFill>
                 <a:effectLst>
                   <a:reflection stA="77000" endPos="75000" dir="5400000" sy="-100000" algn="bl" rotWithShape="0"/>
                 </a:effectLst>
-                <a:latin typeface="Arial Black"/>
-                <a:cs typeface="Arial Black"/>
+                <a:latin typeface="Helvetica Neue"/>
+                <a:cs typeface="Helvetica Neue"/>
               </a:rPr>
-              <a:t> Service Generation Tools</a:t>
-            </a:r>
-            <a:endParaRPr lang="en-US" sz="9600" dirty="0">
+              <a:t> </a:t>
+            </a:r>
+            <a:r>
+              <a:rPr lang="en-US" sz="9600" b="1" dirty="0" smtClean="0">
+                <a:solidFill>
+                  <a:srgbClr val="FFFFFF"/>
+                </a:solidFill>
+                <a:effectLst>
+                  <a:reflection stA="77000" endPos="75000" dir="5400000" sy="-100000" algn="bl" rotWithShape="0"/>
+                </a:effectLst>
+                <a:latin typeface="Helvetica Neue"/>
+                <a:cs typeface="Helvetica Neue"/>
+              </a:rPr>
+              <a:t>Service </a:t>
+            </a:r>
+            <a:r>
+              <a:rPr lang="en-US" sz="9600" b="1" dirty="0" smtClean="0">
+                <a:solidFill>
+                  <a:srgbClr val="FFFFFF"/>
+                </a:solidFill>
+                <a:effectLst>
+                  <a:reflection stA="77000" endPos="75000" dir="5400000" sy="-100000" algn="bl" rotWithShape="0"/>
+                </a:effectLst>
+                <a:latin typeface="Helvetica Neue"/>
+                <a:cs typeface="Helvetica Neue"/>
+              </a:rPr>
+              <a:t>Generation Tools</a:t>
+            </a:r>
+            <a:endParaRPr lang="en-US" sz="9600" b="1" dirty="0">
               <a:solidFill>
-                <a:schemeClr val="bg1"/>
+                <a:srgbClr val="FFFFFF"/>
               </a:solidFill>
               <a:effectLst>
                 <a:reflection stA="77000" endPos="75000" dir="5400000" sy="-100000" algn="bl" rotWithShape="0"/>
               </a:effectLst>
-              <a:latin typeface="Arial Black"/>
-              <a:cs typeface="Arial Black"/>
+              <a:latin typeface="Helvetica Neue"/>
+              <a:cs typeface="Helvetica Neue"/>
             </a:endParaRPr>
           </a:p>
         </p:txBody>

--- a/presentations/introduce/Introduce_caGrid_AHM_2008.pptx
+++ b/presentations/introduce/Introduce_caGrid_AHM_2008.pptx
@@ -289,7 +289,7 @@
             <a:fld id="{339DB51B-28D5-CA40-B042-16E22DA4B1D8}" type="datetimeFigureOut">
               <a:rPr lang="en-US" smtClean="0"/>
               <a:pPr/>
-              <a:t>6/9/08</a:t>
+              <a:t>6/10/08</a:t>
             </a:fld>
             <a:endParaRPr lang="en-US"/>
           </a:p>
@@ -456,7 +456,7 @@
             <a:fld id="{339DB51B-28D5-CA40-B042-16E22DA4B1D8}" type="datetimeFigureOut">
               <a:rPr lang="en-US" smtClean="0"/>
               <a:pPr/>
-              <a:t>6/9/08</a:t>
+              <a:t>6/10/08</a:t>
             </a:fld>
             <a:endParaRPr lang="en-US"/>
           </a:p>
@@ -633,7 +633,7 @@
             <a:fld id="{339DB51B-28D5-CA40-B042-16E22DA4B1D8}" type="datetimeFigureOut">
               <a:rPr lang="en-US" smtClean="0"/>
               <a:pPr/>
-              <a:t>6/9/08</a:t>
+              <a:t>6/10/08</a:t>
             </a:fld>
             <a:endParaRPr lang="en-US"/>
           </a:p>
@@ -800,7 +800,7 @@
             <a:fld id="{339DB51B-28D5-CA40-B042-16E22DA4B1D8}" type="datetimeFigureOut">
               <a:rPr lang="en-US" smtClean="0"/>
               <a:pPr/>
-              <a:t>6/9/08</a:t>
+              <a:t>6/10/08</a:t>
             </a:fld>
             <a:endParaRPr lang="en-US"/>
           </a:p>
@@ -1043,7 +1043,7 @@
             <a:fld id="{339DB51B-28D5-CA40-B042-16E22DA4B1D8}" type="datetimeFigureOut">
               <a:rPr lang="en-US" smtClean="0"/>
               <a:pPr/>
-              <a:t>6/9/08</a:t>
+              <a:t>6/10/08</a:t>
             </a:fld>
             <a:endParaRPr lang="en-US"/>
           </a:p>
@@ -1328,7 +1328,7 @@
             <a:fld id="{339DB51B-28D5-CA40-B042-16E22DA4B1D8}" type="datetimeFigureOut">
               <a:rPr lang="en-US" smtClean="0"/>
               <a:pPr/>
-              <a:t>6/9/08</a:t>
+              <a:t>6/10/08</a:t>
             </a:fld>
             <a:endParaRPr lang="en-US"/>
           </a:p>
@@ -1752,7 +1752,7 @@
             <a:fld id="{339DB51B-28D5-CA40-B042-16E22DA4B1D8}" type="datetimeFigureOut">
               <a:rPr lang="en-US" smtClean="0"/>
               <a:pPr/>
-              <a:t>6/9/08</a:t>
+              <a:t>6/10/08</a:t>
             </a:fld>
             <a:endParaRPr lang="en-US"/>
           </a:p>
@@ -1867,7 +1867,7 @@
             <a:fld id="{339DB51B-28D5-CA40-B042-16E22DA4B1D8}" type="datetimeFigureOut">
               <a:rPr lang="en-US" smtClean="0"/>
               <a:pPr/>
-              <a:t>6/9/08</a:t>
+              <a:t>6/10/08</a:t>
             </a:fld>
             <a:endParaRPr lang="en-US"/>
           </a:p>
@@ -1959,7 +1959,7 @@
             <a:fld id="{339DB51B-28D5-CA40-B042-16E22DA4B1D8}" type="datetimeFigureOut">
               <a:rPr lang="en-US" smtClean="0"/>
               <a:pPr/>
-              <a:t>6/9/08</a:t>
+              <a:t>6/10/08</a:t>
             </a:fld>
             <a:endParaRPr lang="en-US"/>
           </a:p>
@@ -2233,7 +2233,7 @@
             <a:fld id="{339DB51B-28D5-CA40-B042-16E22DA4B1D8}" type="datetimeFigureOut">
               <a:rPr lang="en-US" smtClean="0"/>
               <a:pPr/>
-              <a:t>6/9/08</a:t>
+              <a:t>6/10/08</a:t>
             </a:fld>
             <a:endParaRPr lang="en-US"/>
           </a:p>
@@ -2483,7 +2483,7 @@
             <a:fld id="{339DB51B-28D5-CA40-B042-16E22DA4B1D8}" type="datetimeFigureOut">
               <a:rPr lang="en-US" smtClean="0"/>
               <a:pPr/>
-              <a:t>6/9/08</a:t>
+              <a:t>6/10/08</a:t>
             </a:fld>
             <a:endParaRPr lang="en-US"/>
           </a:p>
@@ -2693,7 +2693,7 @@
             <a:fld id="{339DB51B-28D5-CA40-B042-16E22DA4B1D8}" type="datetimeFigureOut">
               <a:rPr lang="en-US" smtClean="0"/>
               <a:pPr/>
-              <a:t>6/9/08</a:t>
+              <a:t>6/10/08</a:t>
             </a:fld>
             <a:endParaRPr lang="en-US"/>
           </a:p>
@@ -3231,13 +3231,23 @@
                   <a:srgbClr val="FFFFFF"/>
                 </a:solidFill>
                 <a:effectLst>
-                  <a:reflection stA="77000" endPos="75000" dir="5400000" sy="-100000" algn="bl" rotWithShape="0"/>
+                  <a:reflection stA="22000" endPos="75000" dir="5400000" sy="-100000" algn="bl" rotWithShape="0"/>
                 </a:effectLst>
                 <a:latin typeface="Helvetica Neue"/>
                 <a:cs typeface="Helvetica Neue"/>
               </a:rPr>
               <a:t>Introduce:</a:t>
             </a:r>
+            <a:endParaRPr lang="en-US" sz="11500" b="1" dirty="0" smtClean="0">
+              <a:solidFill>
+                <a:srgbClr val="FFFFFF"/>
+              </a:solidFill>
+              <a:effectLst>
+                <a:reflection stA="22000" endPos="75000" dir="5400000" sy="-100000" algn="bl" rotWithShape="0"/>
+              </a:effectLst>
+              <a:latin typeface="Helvetica Neue"/>
+              <a:cs typeface="Helvetica Neue"/>
+            </a:endParaRPr>
           </a:p>
           <a:p>
             <a:r>
@@ -3246,7 +3256,7 @@
                   <a:srgbClr val="FFFFFF"/>
                 </a:solidFill>
                 <a:effectLst>
-                  <a:reflection stA="77000" endPos="75000" dir="5400000" sy="-100000" algn="bl" rotWithShape="0"/>
+                  <a:reflection stA="22000" endPos="75000" dir="5400000" sy="-100000" algn="bl" rotWithShape="0"/>
                 </a:effectLst>
                 <a:latin typeface="Helvetica Neue"/>
                 <a:cs typeface="Helvetica Neue"/>
@@ -3259,45 +3269,19 @@
                   <a:srgbClr val="FFFFFF"/>
                 </a:solidFill>
                 <a:effectLst>
-                  <a:reflection stA="77000" endPos="75000" dir="5400000" sy="-100000" algn="bl" rotWithShape="0"/>
+                  <a:reflection stA="22000" endPos="75000" dir="5400000" sy="-100000" algn="bl" rotWithShape="0"/>
                 </a:effectLst>
                 <a:latin typeface="Helvetica Neue"/>
                 <a:cs typeface="Helvetica Neue"/>
               </a:rPr>
-              <a:t> </a:t>
-            </a:r>
-            <a:r>
-              <a:rPr lang="en-US" sz="9600" b="1" dirty="0" smtClean="0">
-                <a:solidFill>
-                  <a:srgbClr val="FFFFFF"/>
-                </a:solidFill>
-                <a:effectLst>
-                  <a:reflection stA="77000" endPos="75000" dir="5400000" sy="-100000" algn="bl" rotWithShape="0"/>
-                </a:effectLst>
-                <a:latin typeface="Helvetica Neue"/>
-                <a:cs typeface="Helvetica Neue"/>
-              </a:rPr>
-              <a:t>Service </a:t>
-            </a:r>
-            <a:r>
-              <a:rPr lang="en-US" sz="9600" b="1" dirty="0" smtClean="0">
-                <a:solidFill>
-                  <a:srgbClr val="FFFFFF"/>
-                </a:solidFill>
-                <a:effectLst>
-                  <a:reflection stA="77000" endPos="75000" dir="5400000" sy="-100000" algn="bl" rotWithShape="0"/>
-                </a:effectLst>
-                <a:latin typeface="Helvetica Neue"/>
-                <a:cs typeface="Helvetica Neue"/>
-              </a:rPr>
-              <a:t>Generation Tools</a:t>
+              <a:t> Service Generation Tools</a:t>
             </a:r>
             <a:endParaRPr lang="en-US" sz="9600" b="1" dirty="0">
               <a:solidFill>
                 <a:srgbClr val="FFFFFF"/>
               </a:solidFill>
               <a:effectLst>
-                <a:reflection stA="77000" endPos="75000" dir="5400000" sy="-100000" algn="bl" rotWithShape="0"/>
+                <a:reflection stA="22000" endPos="75000" dir="5400000" sy="-100000" algn="bl" rotWithShape="0"/>
               </a:effectLst>
               <a:latin typeface="Helvetica Neue"/>
               <a:cs typeface="Helvetica Neue"/>
@@ -4136,7 +4120,7 @@
         </p:blipFill>
         <p:spPr>
           <a:xfrm>
-            <a:off x="24426182" y="31623000"/>
+            <a:off x="24654782" y="31623000"/>
             <a:ext cx="1481818" cy="838200"/>
           </a:xfrm>
           <a:prstGeom prst="rect">
@@ -4160,7 +4144,7 @@
         </p:blipFill>
         <p:spPr>
           <a:xfrm>
-            <a:off x="28116427" y="31800800"/>
+            <a:off x="28421227" y="31800800"/>
             <a:ext cx="915773" cy="584200"/>
           </a:xfrm>
           <a:prstGeom prst="rect">
@@ -4184,7 +4168,7 @@
         </p:blipFill>
         <p:spPr>
           <a:xfrm>
-            <a:off x="31573381" y="31737300"/>
+            <a:off x="31725781" y="31737300"/>
             <a:ext cx="2259419" cy="647700"/>
           </a:xfrm>
           <a:prstGeom prst="rect">

--- a/presentations/introduce/Introduce_caGrid_AHM_2008.pptx
+++ b/presentations/introduce/Introduce_caGrid_AHM_2008.pptx
@@ -289,7 +289,7 @@
             <a:fld id="{339DB51B-28D5-CA40-B042-16E22DA4B1D8}" type="datetimeFigureOut">
               <a:rPr lang="en-US" smtClean="0"/>
               <a:pPr/>
-              <a:t>6/10/08</a:t>
+              <a:t>6/13/08</a:t>
             </a:fld>
             <a:endParaRPr lang="en-US"/>
           </a:p>
@@ -456,7 +456,7 @@
             <a:fld id="{339DB51B-28D5-CA40-B042-16E22DA4B1D8}" type="datetimeFigureOut">
               <a:rPr lang="en-US" smtClean="0"/>
               <a:pPr/>
-              <a:t>6/10/08</a:t>
+              <a:t>6/13/08</a:t>
             </a:fld>
             <a:endParaRPr lang="en-US"/>
           </a:p>
@@ -633,7 +633,7 @@
             <a:fld id="{339DB51B-28D5-CA40-B042-16E22DA4B1D8}" type="datetimeFigureOut">
               <a:rPr lang="en-US" smtClean="0"/>
               <a:pPr/>
-              <a:t>6/10/08</a:t>
+              <a:t>6/13/08</a:t>
             </a:fld>
             <a:endParaRPr lang="en-US"/>
           </a:p>
@@ -800,7 +800,7 @@
             <a:fld id="{339DB51B-28D5-CA40-B042-16E22DA4B1D8}" type="datetimeFigureOut">
               <a:rPr lang="en-US" smtClean="0"/>
               <a:pPr/>
-              <a:t>6/10/08</a:t>
+              <a:t>6/13/08</a:t>
             </a:fld>
             <a:endParaRPr lang="en-US"/>
           </a:p>
@@ -1043,7 +1043,7 @@
             <a:fld id="{339DB51B-28D5-CA40-B042-16E22DA4B1D8}" type="datetimeFigureOut">
               <a:rPr lang="en-US" smtClean="0"/>
               <a:pPr/>
-              <a:t>6/10/08</a:t>
+              <a:t>6/13/08</a:t>
             </a:fld>
             <a:endParaRPr lang="en-US"/>
           </a:p>
@@ -1328,7 +1328,7 @@
             <a:fld id="{339DB51B-28D5-CA40-B042-16E22DA4B1D8}" type="datetimeFigureOut">
               <a:rPr lang="en-US" smtClean="0"/>
               <a:pPr/>
-              <a:t>6/10/08</a:t>
+              <a:t>6/13/08</a:t>
             </a:fld>
             <a:endParaRPr lang="en-US"/>
           </a:p>
@@ -1752,7 +1752,7 @@
             <a:fld id="{339DB51B-28D5-CA40-B042-16E22DA4B1D8}" type="datetimeFigureOut">
               <a:rPr lang="en-US" smtClean="0"/>
               <a:pPr/>
-              <a:t>6/10/08</a:t>
+              <a:t>6/13/08</a:t>
             </a:fld>
             <a:endParaRPr lang="en-US"/>
           </a:p>
@@ -1867,7 +1867,7 @@
             <a:fld id="{339DB51B-28D5-CA40-B042-16E22DA4B1D8}" type="datetimeFigureOut">
               <a:rPr lang="en-US" smtClean="0"/>
               <a:pPr/>
-              <a:t>6/10/08</a:t>
+              <a:t>6/13/08</a:t>
             </a:fld>
             <a:endParaRPr lang="en-US"/>
           </a:p>
@@ -1959,7 +1959,7 @@
             <a:fld id="{339DB51B-28D5-CA40-B042-16E22DA4B1D8}" type="datetimeFigureOut">
               <a:rPr lang="en-US" smtClean="0"/>
               <a:pPr/>
-              <a:t>6/10/08</a:t>
+              <a:t>6/13/08</a:t>
             </a:fld>
             <a:endParaRPr lang="en-US"/>
           </a:p>
@@ -2233,7 +2233,7 @@
             <a:fld id="{339DB51B-28D5-CA40-B042-16E22DA4B1D8}" type="datetimeFigureOut">
               <a:rPr lang="en-US" smtClean="0"/>
               <a:pPr/>
-              <a:t>6/10/08</a:t>
+              <a:t>6/13/08</a:t>
             </a:fld>
             <a:endParaRPr lang="en-US"/>
           </a:p>
@@ -2483,7 +2483,7 @@
             <a:fld id="{339DB51B-28D5-CA40-B042-16E22DA4B1D8}" type="datetimeFigureOut">
               <a:rPr lang="en-US" smtClean="0"/>
               <a:pPr/>
-              <a:t>6/10/08</a:t>
+              <a:t>6/13/08</a:t>
             </a:fld>
             <a:endParaRPr lang="en-US"/>
           </a:p>
@@ -2693,7 +2693,7 @@
             <a:fld id="{339DB51B-28D5-CA40-B042-16E22DA4B1D8}" type="datetimeFigureOut">
               <a:rPr lang="en-US" smtClean="0"/>
               <a:pPr/>
-              <a:t>6/10/08</a:t>
+              <a:t>6/13/08</a:t>
             </a:fld>
             <a:endParaRPr lang="en-US"/>
           </a:p>
@@ -3064,6 +3064,96 @@
           <a:chExt cx="0" cy="0"/>
         </a:xfrm>
       </p:grpSpPr>
+      <p:sp>
+        <p:nvSpPr>
+          <p:cNvPr id="6" name="Rectangle 5"/>
+          <p:cNvSpPr/>
+          <p:nvPr/>
+        </p:nvSpPr>
+        <p:spPr>
+          <a:xfrm>
+            <a:off x="0" y="31242000"/>
+            <a:ext cx="43891200" cy="1676400"/>
+          </a:xfrm>
+          <a:prstGeom prst="rect">
+            <a:avLst/>
+          </a:prstGeom>
+          <a:solidFill>
+            <a:srgbClr val="292A42"/>
+          </a:solidFill>
+          <a:ln>
+            <a:noFill/>
+          </a:ln>
+          <a:effectLst/>
+        </p:spPr>
+        <p:style>
+          <a:lnRef idx="1">
+            <a:schemeClr val="accent1"/>
+          </a:lnRef>
+          <a:fillRef idx="3">
+            <a:schemeClr val="accent1"/>
+          </a:fillRef>
+          <a:effectRef idx="2">
+            <a:schemeClr val="accent1"/>
+          </a:effectRef>
+          <a:fontRef idx="minor">
+            <a:schemeClr val="lt1"/>
+          </a:fontRef>
+        </p:style>
+        <p:txBody>
+          <a:bodyPr rtlCol="0" anchor="ctr"/>
+          <a:lstStyle/>
+          <a:p>
+            <a:pPr algn="ctr"/>
+            <a:endParaRPr lang="en-US"/>
+          </a:p>
+        </p:txBody>
+      </p:sp>
+      <p:sp>
+        <p:nvSpPr>
+          <p:cNvPr id="25" name="Terminator 24"/>
+          <p:cNvSpPr/>
+          <p:nvPr/>
+        </p:nvSpPr>
+        <p:spPr>
+          <a:xfrm>
+            <a:off x="18211800" y="31242000"/>
+            <a:ext cx="16840200" cy="1676400"/>
+          </a:xfrm>
+          <a:prstGeom prst="flowChartTerminator">
+            <a:avLst/>
+          </a:prstGeom>
+          <a:solidFill>
+            <a:schemeClr val="bg1"/>
+          </a:solidFill>
+          <a:ln>
+            <a:noFill/>
+          </a:ln>
+          <a:effectLst/>
+        </p:spPr>
+        <p:style>
+          <a:lnRef idx="1">
+            <a:schemeClr val="accent1"/>
+          </a:lnRef>
+          <a:fillRef idx="3">
+            <a:schemeClr val="accent1"/>
+          </a:fillRef>
+          <a:effectRef idx="2">
+            <a:schemeClr val="accent1"/>
+          </a:effectRef>
+          <a:fontRef idx="minor">
+            <a:schemeClr val="lt1"/>
+          </a:fontRef>
+        </p:style>
+        <p:txBody>
+          <a:bodyPr rtlCol="0" anchor="ctr"/>
+          <a:lstStyle/>
+          <a:p>
+            <a:pPr algn="ctr"/>
+            <a:endParaRPr lang="en-US"/>
+          </a:p>
+        </p:txBody>
+      </p:sp>
       <p:pic>
         <p:nvPicPr>
           <p:cNvPr id="23" name="Picture 22" descr="Introduce-SyncToolsDetailed.jpg"/>
@@ -3159,51 +3249,6 @@
       </p:sp>
       <p:sp>
         <p:nvSpPr>
-          <p:cNvPr id="6" name="Rectangle 5"/>
-          <p:cNvSpPr/>
-          <p:nvPr/>
-        </p:nvSpPr>
-        <p:spPr>
-          <a:xfrm>
-            <a:off x="0" y="31242000"/>
-            <a:ext cx="43891200" cy="1676400"/>
-          </a:xfrm>
-          <a:prstGeom prst="rect">
-            <a:avLst/>
-          </a:prstGeom>
-          <a:solidFill>
-            <a:srgbClr val="292A42"/>
-          </a:solidFill>
-          <a:ln>
-            <a:noFill/>
-          </a:ln>
-          <a:effectLst/>
-        </p:spPr>
-        <p:style>
-          <a:lnRef idx="1">
-            <a:schemeClr val="accent1"/>
-          </a:lnRef>
-          <a:fillRef idx="3">
-            <a:schemeClr val="accent1"/>
-          </a:fillRef>
-          <a:effectRef idx="2">
-            <a:schemeClr val="accent1"/>
-          </a:effectRef>
-          <a:fontRef idx="minor">
-            <a:schemeClr val="lt1"/>
-          </a:fontRef>
-        </p:style>
-        <p:txBody>
-          <a:bodyPr rtlCol="0" anchor="ctr"/>
-          <a:lstStyle/>
-          <a:p>
-            <a:pPr algn="ctr"/>
-            <a:endParaRPr lang="en-US"/>
-          </a:p>
-        </p:txBody>
-      </p:sp>
-      <p:sp>
-        <p:nvSpPr>
           <p:cNvPr id="7" name="TextBox 6"/>
           <p:cNvSpPr txBox="1"/>
           <p:nvPr/>
@@ -3238,16 +3283,6 @@
               </a:rPr>
               <a:t>Introduce:</a:t>
             </a:r>
-            <a:endParaRPr lang="en-US" sz="11500" b="1" dirty="0" smtClean="0">
-              <a:solidFill>
-                <a:srgbClr val="FFFFFF"/>
-              </a:solidFill>
-              <a:effectLst>
-                <a:reflection stA="22000" endPos="75000" dir="5400000" sy="-100000" algn="bl" rotWithShape="0"/>
-              </a:effectLst>
-              <a:latin typeface="Helvetica Neue"/>
-              <a:cs typeface="Helvetica Neue"/>
-            </a:endParaRPr>
           </a:p>
           <a:p>
             <a:r>
@@ -4036,50 +4071,6 @@
           </a:prstGeom>
         </p:spPr>
       </p:pic>
-      <p:sp>
-        <p:nvSpPr>
-          <p:cNvPr id="30" name="Rectangle 29"/>
-          <p:cNvSpPr/>
-          <p:nvPr/>
-        </p:nvSpPr>
-        <p:spPr>
-          <a:xfrm>
-            <a:off x="18346420" y="31546800"/>
-            <a:ext cx="16705580" cy="1066800"/>
-          </a:xfrm>
-          <a:prstGeom prst="rect">
-            <a:avLst/>
-          </a:prstGeom>
-          <a:solidFill>
-            <a:schemeClr val="bg1"/>
-          </a:solidFill>
-          <a:ln>
-            <a:noFill/>
-          </a:ln>
-        </p:spPr>
-        <p:style>
-          <a:lnRef idx="1">
-            <a:schemeClr val="accent1"/>
-          </a:lnRef>
-          <a:fillRef idx="3">
-            <a:schemeClr val="accent1"/>
-          </a:fillRef>
-          <a:effectRef idx="2">
-            <a:schemeClr val="accent1"/>
-          </a:effectRef>
-          <a:fontRef idx="minor">
-            <a:schemeClr val="lt1"/>
-          </a:fontRef>
-        </p:style>
-        <p:txBody>
-          <a:bodyPr rtlCol="0" anchor="ctr"/>
-          <a:lstStyle/>
-          <a:p>
-            <a:pPr algn="ctr"/>
-            <a:endParaRPr lang="en-US"/>
-          </a:p>
-        </p:txBody>
-      </p:sp>
       <p:pic>
         <p:nvPicPr>
           <p:cNvPr id="26" name="Picture 25" descr="SRI_150px.png"/>
